--- a/docs/milestone presentations/1-presentation/1-complete.pptx
+++ b/docs/milestone presentations/1-presentation/1-complete.pptx
@@ -5,7 +5,7 @@
     <p:sldMasterId id="2147483648" r:id="rId1"/>
   </p:sldMasterIdLst>
   <p:notesMasterIdLst>
-    <p:notesMasterId r:id="rId9"/>
+    <p:notesMasterId r:id="rId8"/>
   </p:notesMasterIdLst>
   <p:sldIdLst>
     <p:sldId id="256" r:id="rId2"/>
@@ -13,13 +13,12 @@
     <p:sldId id="260" r:id="rId4"/>
     <p:sldId id="261" r:id="rId5"/>
     <p:sldId id="258" r:id="rId6"/>
-    <p:sldId id="262" r:id="rId7"/>
-    <p:sldId id="259" r:id="rId8"/>
+    <p:sldId id="259" r:id="rId7"/>
   </p:sldIdLst>
   <p:sldSz cx="9144000" cy="6858000" type="screen4x3"/>
   <p:notesSz cx="6858000" cy="9144000"/>
   <p:custDataLst>
-    <p:tags r:id="rId10"/>
+    <p:tags r:id="rId9"/>
   </p:custDataLst>
   <p:defaultTextStyle>
     <a:defPPr>
@@ -3949,37 +3948,7 @@
                   <a:schemeClr val="tx1"/>
                 </a:solidFill>
               </a:rPr>
-              <a:t>Projektz</a:t>
-            </a:r>
-            <a:r>
-              <a:rPr lang="fr-FR" dirty="0" err="1" smtClean="0">
-                <a:solidFill>
-                  <a:schemeClr val="tx1"/>
-                </a:solidFill>
-              </a:rPr>
-              <a:t>iele</a:t>
-            </a:r>
-            <a:endParaRPr lang="fr-FR" dirty="0" smtClean="0">
-              <a:solidFill>
-                <a:schemeClr val="tx1"/>
-              </a:solidFill>
-            </a:endParaRPr>
-          </a:p>
-          <a:p>
-            <a:pPr>
-              <a:lnSpc>
-                <a:spcPct val="200000"/>
-              </a:lnSpc>
-              <a:buFont typeface="+mj-lt"/>
-              <a:buAutoNum type="arabicPeriod"/>
-            </a:pPr>
-            <a:r>
-              <a:rPr lang="fr-FR" dirty="0" err="1" smtClean="0">
-                <a:solidFill>
-                  <a:schemeClr val="tx1"/>
-                </a:solidFill>
-              </a:rPr>
-              <a:t>Probleme</a:t>
+              <a:t>Projektziele</a:t>
             </a:r>
             <a:endParaRPr lang="fr-FR" dirty="0" smtClean="0">
               <a:solidFill>
@@ -4250,7 +4219,7 @@
     </p:spTree>
     <p:extLst>
       <p:ext uri="{BB962C8B-B14F-4D97-AF65-F5344CB8AC3E}">
-        <p14:creationId xmlns:p14="http://schemas.microsoft.com/office/powerpoint/2010/main" xmlns="" val="114017146"/>
+        <p14:creationId xmlns="" xmlns:p14="http://schemas.microsoft.com/office/powerpoint/2010/main" val="114017146"/>
       </p:ext>
     </p:extLst>
   </p:cSld>
@@ -4324,7 +4293,7 @@
               <a:buFontTx/>
               <a:buChar char="-"/>
             </a:pPr>
-            <a:endParaRPr lang="de-DE" sz="2400" smtClean="0"/>
+            <a:endParaRPr lang="de-DE" dirty="0" smtClean="0"/>
           </a:p>
           <a:p>
             <a:pPr>
@@ -4332,8 +4301,20 @@
               <a:buChar char="-"/>
             </a:pPr>
             <a:r>
-              <a:rPr lang="de-DE" sz="2400" smtClean="0"/>
-              <a:t>Implementierung des Datentypes „mathematische Formel“</a:t>
+              <a:rPr lang="de-DE" dirty="0" smtClean="0"/>
+              <a:t>Implementierung des </a:t>
+            </a:r>
+            <a:r>
+              <a:rPr lang="de-DE" dirty="0" err="1" smtClean="0"/>
+              <a:t>Datentypes</a:t>
+            </a:r>
+            <a:r>
+              <a:rPr lang="de-DE" dirty="0" smtClean="0"/>
+              <a:t> „mathematische Formel</a:t>
+            </a:r>
+            <a:r>
+              <a:rPr lang="de-DE" dirty="0" smtClean="0"/>
+              <a:t>“</a:t>
             </a:r>
           </a:p>
           <a:p>
@@ -4342,9 +4323,18 @@
               <a:buChar char="-"/>
             </a:pPr>
             <a:r>
-              <a:rPr lang="de-DE" sz="2400" smtClean="0"/>
-              <a:t>Darstellung</a:t>
-            </a:r>
+              <a:rPr lang="de-DE" dirty="0" smtClean="0">
+                <a:solidFill>
+                  <a:srgbClr val="FF0000"/>
+                </a:solidFill>
+              </a:rPr>
+              <a:t>Definieren</a:t>
+            </a:r>
+            <a:endParaRPr lang="de-DE" dirty="0" smtClean="0">
+              <a:solidFill>
+                <a:srgbClr val="FF0000"/>
+              </a:solidFill>
+            </a:endParaRPr>
           </a:p>
           <a:p>
             <a:pPr lvl="1">
@@ -4352,25 +4342,8 @@
               <a:buChar char="-"/>
             </a:pPr>
             <a:r>
-              <a:rPr lang="de-DE" sz="2400" smtClean="0"/>
-              <a:t>(Berechnung)</a:t>
-            </a:r>
-          </a:p>
-          <a:p>
-            <a:pPr>
-              <a:buFontTx/>
-              <a:buChar char="-"/>
-            </a:pPr>
-            <a:endParaRPr lang="de-DE" sz="2400" smtClean="0"/>
-          </a:p>
-          <a:p>
-            <a:pPr>
-              <a:buFontTx/>
-              <a:buChar char="-"/>
-            </a:pPr>
-            <a:r>
-              <a:rPr lang="de-DE" sz="2400" smtClean="0"/>
-              <a:t>Automatisches Erkennen von mathematischen Formeln in Wikipedia</a:t>
+              <a:rPr lang="de-DE" dirty="0" smtClean="0"/>
+              <a:t>Darstellung</a:t>
             </a:r>
           </a:p>
           <a:p>
@@ -4379,16 +4352,67 @@
               <a:buChar char="-"/>
             </a:pPr>
             <a:r>
-              <a:rPr lang="de-DE" sz="2400" smtClean="0"/>
-              <a:t>Fokus auf einfache, benannte Formeln</a:t>
-            </a:r>
+              <a:rPr lang="de-DE" dirty="0" smtClean="0">
+                <a:solidFill>
+                  <a:srgbClr val="FF0000"/>
+                </a:solidFill>
+              </a:rPr>
+              <a:t>Evaluieren (= Punkt unten [</a:t>
+            </a:r>
+            <a:r>
+              <a:rPr lang="de-DE" dirty="0" err="1" smtClean="0">
+                <a:solidFill>
+                  <a:srgbClr val="FF0000"/>
+                </a:solidFill>
+              </a:rPr>
+              <a:t>autom</a:t>
+            </a:r>
+            <a:r>
+              <a:rPr lang="de-DE" dirty="0" smtClean="0">
+                <a:solidFill>
+                  <a:srgbClr val="FF0000"/>
+                </a:solidFill>
+              </a:rPr>
+              <a:t>. Erkennen…])</a:t>
+            </a:r>
+            <a:endParaRPr lang="de-DE" dirty="0" smtClean="0">
+              <a:solidFill>
+                <a:srgbClr val="FF0000"/>
+              </a:solidFill>
+            </a:endParaRPr>
           </a:p>
           <a:p>
             <a:pPr lvl="1">
               <a:buFontTx/>
               <a:buChar char="-"/>
             </a:pPr>
-            <a:endParaRPr lang="de-DE" smtClean="0"/>
+            <a:r>
+              <a:rPr lang="de-DE" dirty="0" smtClean="0"/>
+              <a:t>(Berechnung</a:t>
+            </a:r>
+            <a:r>
+              <a:rPr lang="de-DE" dirty="0" smtClean="0"/>
+              <a:t>)</a:t>
+            </a:r>
+          </a:p>
+          <a:p>
+            <a:pPr lvl="1">
+              <a:buFontTx/>
+              <a:buChar char="-"/>
+            </a:pPr>
+            <a:r>
+              <a:rPr lang="de-DE" dirty="0" smtClean="0">
+                <a:solidFill>
+                  <a:srgbClr val="FF0000"/>
+                </a:solidFill>
+              </a:rPr>
+              <a:t>Soll in Praxis verwendbar sein</a:t>
+            </a:r>
+            <a:endParaRPr lang="de-DE" dirty="0" smtClean="0">
+              <a:solidFill>
+                <a:srgbClr val="FF0000"/>
+              </a:solidFill>
+            </a:endParaRPr>
           </a:p>
           <a:p>
             <a:pPr>
@@ -4397,6 +4421,82 @@
             </a:pPr>
             <a:endParaRPr lang="de-DE" dirty="0" smtClean="0"/>
           </a:p>
+          <a:p>
+            <a:pPr>
+              <a:buFontTx/>
+              <a:buChar char="-"/>
+            </a:pPr>
+            <a:r>
+              <a:rPr lang="de-DE" dirty="0" smtClean="0"/>
+              <a:t>Automatisches Erkennen von mathematischen Formeln in </a:t>
+            </a:r>
+            <a:r>
+              <a:rPr lang="de-DE" dirty="0" err="1" smtClean="0"/>
+              <a:t>Wikipedia</a:t>
+            </a:r>
+            <a:endParaRPr lang="de-DE" dirty="0" smtClean="0"/>
+          </a:p>
+          <a:p>
+            <a:pPr lvl="1">
+              <a:buFontTx/>
+              <a:buChar char="-"/>
+            </a:pPr>
+            <a:r>
+              <a:rPr lang="de-DE" dirty="0" smtClean="0"/>
+              <a:t>Fokus auf einfache, benannte </a:t>
+            </a:r>
+            <a:r>
+              <a:rPr lang="de-DE" dirty="0" smtClean="0"/>
+              <a:t>Formeln</a:t>
+            </a:r>
+          </a:p>
+          <a:p>
+            <a:pPr lvl="1">
+              <a:buFontTx/>
+              <a:buChar char="-"/>
+            </a:pPr>
+            <a:r>
+              <a:rPr lang="de-DE" dirty="0" err="1" smtClean="0"/>
+              <a:t>Händisch</a:t>
+            </a:r>
+            <a:r>
+              <a:rPr lang="de-DE" dirty="0" smtClean="0"/>
+              <a:t> / Formular </a:t>
+            </a:r>
+          </a:p>
+          <a:p>
+            <a:pPr lvl="1">
+              <a:buFontTx/>
+              <a:buChar char="-"/>
+            </a:pPr>
+            <a:r>
+              <a:rPr lang="de-DE" dirty="0" smtClean="0">
+                <a:solidFill>
+                  <a:srgbClr val="FF0000"/>
+                </a:solidFill>
+              </a:rPr>
+              <a:t>-&gt; Ist Evaluierung / Ausführung, aber nicht wirklich Ziel des Projekts (nur Ansatz für Datenquelle)</a:t>
+            </a:r>
+            <a:endParaRPr lang="de-DE" dirty="0" smtClean="0">
+              <a:solidFill>
+                <a:srgbClr val="FF0000"/>
+              </a:solidFill>
+            </a:endParaRPr>
+          </a:p>
+          <a:p>
+            <a:pPr lvl="1">
+              <a:buFontTx/>
+              <a:buChar char="-"/>
+            </a:pPr>
+            <a:endParaRPr lang="de-DE" dirty="0" smtClean="0"/>
+          </a:p>
+          <a:p>
+            <a:pPr>
+              <a:buFontTx/>
+              <a:buChar char="-"/>
+            </a:pPr>
+            <a:endParaRPr lang="de-DE" dirty="0" smtClean="0"/>
+          </a:p>
         </p:txBody>
       </p:sp>
       <p:sp>
@@ -4467,7 +4567,7 @@
     </p:spTree>
     <p:extLst>
       <p:ext uri="{BB962C8B-B14F-4D97-AF65-F5344CB8AC3E}">
-        <p14:creationId xmlns:p14="http://schemas.microsoft.com/office/powerpoint/2010/main" xmlns="" val="613567455"/>
+        <p14:creationId xmlns="" xmlns:p14="http://schemas.microsoft.com/office/powerpoint/2010/main" val="613567455"/>
       </p:ext>
     </p:extLst>
   </p:cSld>
@@ -4515,8 +4615,8 @@
           <a:lstStyle/>
           <a:p>
             <a:r>
-              <a:rPr lang="de-DE" dirty="0" smtClean="0"/>
-              <a:t>Probleme</a:t>
+              <a:rPr lang="de-DE" dirty="0" err="1" smtClean="0"/>
+              <a:t>Roadmap</a:t>
             </a:r>
             <a:endParaRPr lang="de-DE" dirty="0"/>
           </a:p>
@@ -4599,6 +4699,44 @@
                 </a:solidFill>
               </a:rPr>
               <a:t>Formeln</a:t>
+            </a:r>
+            <a:endParaRPr lang="fr-FR" dirty="0" smtClean="0">
+              <a:solidFill>
+                <a:schemeClr val="tx1"/>
+              </a:solidFill>
+            </a:endParaRPr>
+          </a:p>
+          <a:p>
+            <a:pPr>
+              <a:lnSpc>
+                <a:spcPct val="150000"/>
+              </a:lnSpc>
+              <a:buFont typeface="Arial" pitchFamily="34" charset="0"/>
+              <a:buChar char="•"/>
+            </a:pPr>
+            <a:r>
+              <a:rPr lang="de-DE" dirty="0" smtClean="0"/>
+              <a:t>Abstimmung der Aufgaben mit </a:t>
+            </a:r>
+            <a:r>
+              <a:rPr lang="de-DE" dirty="0" err="1" smtClean="0"/>
+              <a:t>Wikidata</a:t>
+            </a:r>
+            <a:r>
+              <a:rPr lang="de-DE" dirty="0" smtClean="0"/>
+              <a:t> (</a:t>
+            </a:r>
+            <a:r>
+              <a:rPr lang="de-DE" dirty="0" err="1" smtClean="0"/>
+              <a:t>Wikipedia</a:t>
+            </a:r>
+            <a:r>
+              <a:rPr lang="de-DE" dirty="0" smtClean="0"/>
+              <a:t> DE Zentrale Berlin</a:t>
+            </a:r>
+            <a:r>
+              <a:rPr lang="de-DE" dirty="0" smtClean="0"/>
+              <a:t>)</a:t>
             </a:r>
             <a:endParaRPr lang="fr-FR" dirty="0" smtClean="0">
               <a:solidFill>
@@ -5111,141 +5249,6 @@
           <a:lstStyle/>
           <a:p>
             <a:r>
-              <a:rPr lang="de-DE" dirty="0" err="1" smtClean="0"/>
-              <a:t>Roadmap</a:t>
-            </a:r>
-            <a:endParaRPr lang="de-DE" dirty="0"/>
-          </a:p>
-        </p:txBody>
-      </p:sp>
-      <p:sp>
-        <p:nvSpPr>
-          <p:cNvPr id="3" name="Inhaltsplatzhalter 2"/>
-          <p:cNvSpPr>
-            <a:spLocks noGrp="1"/>
-          </p:cNvSpPr>
-          <p:nvPr>
-            <p:ph idx="1"/>
-          </p:nvPr>
-        </p:nvSpPr>
-        <p:spPr/>
-        <p:txBody>
-          <a:bodyPr/>
-          <a:lstStyle/>
-          <a:p>
-            <a:endParaRPr lang="de-DE" dirty="0"/>
-          </a:p>
-        </p:txBody>
-      </p:sp>
-      <p:sp>
-        <p:nvSpPr>
-          <p:cNvPr id="4" name="Fußzeilenplatzhalter 3"/>
-          <p:cNvSpPr>
-            <a:spLocks noGrp="1"/>
-          </p:cNvSpPr>
-          <p:nvPr>
-            <p:ph type="ftr" sz="quarter" idx="10"/>
-          </p:nvPr>
-        </p:nvSpPr>
-        <p:spPr/>
-        <p:txBody>
-          <a:bodyPr/>
-          <a:lstStyle/>
-          <a:p>
-            <a:r>
-              <a:rPr lang="de-DE" smtClean="0"/>
-              <a:t>Präsentationstitel Blindtext Lorem ipsum dolores </a:t>
-            </a:r>
-            <a:r>
-              <a:rPr lang="de-DE" b="0" smtClean="0"/>
-              <a:t>|</a:t>
-            </a:r>
-            <a:r>
-              <a:rPr lang="de-DE" smtClean="0"/>
-              <a:t> </a:t>
-            </a:r>
-            <a:r>
-              <a:rPr lang="de-DE" b="0" smtClean="0"/>
-              <a:t>M. Mustermann | Anlass der Präsentation</a:t>
-            </a:r>
-            <a:endParaRPr lang="de-DE" b="0"/>
-          </a:p>
-        </p:txBody>
-      </p:sp>
-      <p:sp>
-        <p:nvSpPr>
-          <p:cNvPr id="5" name="Foliennummernplatzhalter 4"/>
-          <p:cNvSpPr>
-            <a:spLocks noGrp="1"/>
-          </p:cNvSpPr>
-          <p:nvPr>
-            <p:ph type="sldNum" sz="quarter" idx="11"/>
-          </p:nvPr>
-        </p:nvSpPr>
-        <p:spPr/>
-        <p:txBody>
-          <a:bodyPr/>
-          <a:lstStyle/>
-          <a:p>
-            <a:r>
-              <a:rPr lang="de-DE" smtClean="0"/>
-              <a:t>Seite </a:t>
-            </a:r>
-            <a:fld id="{7737BF7B-4974-4536-9485-B1CA4D50CDC2}" type="slidenum">
-              <a:rPr lang="de-DE" smtClean="0"/>
-              <a:pPr/>
-              <a:t>6</a:t>
-            </a:fld>
-            <a:endParaRPr lang="de-DE"/>
-          </a:p>
-        </p:txBody>
-      </p:sp>
-    </p:spTree>
-  </p:cSld>
-  <p:clrMapOvr>
-    <a:masterClrMapping/>
-  </p:clrMapOvr>
-</p:sld>
-</file>
-
-<file path=ppt/slides/slide7.xml><?xml version="1.0" encoding="utf-8"?>
-<p:sld xmlns:a="http://schemas.openxmlformats.org/drawingml/2006/main" xmlns:r="http://schemas.openxmlformats.org/officeDocument/2006/relationships" xmlns:p="http://schemas.openxmlformats.org/presentationml/2006/main">
-  <p:cSld>
-    <p:spTree>
-      <p:nvGrpSpPr>
-        <p:cNvPr id="1" name=""/>
-        <p:cNvGrpSpPr/>
-        <p:nvPr/>
-      </p:nvGrpSpPr>
-      <p:grpSpPr>
-        <a:xfrm>
-          <a:off x="0" y="0"/>
-          <a:ext cx="0" cy="0"/>
-          <a:chOff x="0" y="0"/>
-          <a:chExt cx="0" cy="0"/>
-        </a:xfrm>
-      </p:grpSpPr>
-      <p:sp>
-        <p:nvSpPr>
-          <p:cNvPr id="2" name="Titel 1"/>
-          <p:cNvSpPr>
-            <a:spLocks noGrp="1"/>
-          </p:cNvSpPr>
-          <p:nvPr>
-            <p:ph type="title"/>
-          </p:nvPr>
-        </p:nvSpPr>
-        <p:spPr>
-          <a:xfrm>
-            <a:off x="539750" y="1740115"/>
-            <a:ext cx="8061325" cy="358560"/>
-          </a:xfrm>
-        </p:spPr>
-        <p:txBody>
-          <a:bodyPr/>
-          <a:lstStyle/>
-          <a:p>
-            <a:r>
               <a:rPr lang="de-DE" dirty="0" smtClean="0"/>
               <a:t>Was wir erreicht haben bisher</a:t>
             </a:r>
@@ -5333,8 +5336,8 @@
               <a:t> und </a:t>
             </a:r>
             <a:r>
-              <a:rPr lang="de-DE" dirty="0" err="1" smtClean="0"/>
-              <a:t>properties</a:t>
+              <a:rPr lang="de-DE" dirty="0" smtClean="0"/>
+              <a:t>Eigenschaften</a:t>
             </a:r>
             <a:endParaRPr lang="de-DE" dirty="0" smtClean="0"/>
           </a:p>
@@ -5395,7 +5398,7 @@
             <a:fld id="{7737BF7B-4974-4536-9485-B1CA4D50CDC2}" type="slidenum">
               <a:rPr lang="de-DE" smtClean="0"/>
               <a:pPr/>
-              <a:t>7</a:t>
+              <a:t>6</a:t>
             </a:fld>
             <a:endParaRPr lang="de-DE"/>
           </a:p>

--- a/docs/milestone presentations/1-presentation/1-complete.pptx
+++ b/docs/milestone presentations/1-presentation/1-complete.pptx
@@ -145,6 +145,22 @@
       </a:defRPr>
     </a:lvl9pPr>
   </p:defaultTextStyle>
+  <p:extLst>
+    <p:ext uri="{EFAFB233-063F-42B5-8137-9DF3F51BA10A}">
+      <p15:sldGuideLst xmlns:p15="http://schemas.microsoft.com/office/powerpoint/2012/main">
+        <p15:guide id="1" orient="horz" pos="2160">
+          <p15:clr>
+            <a:srgbClr val="A4A3A4"/>
+          </p15:clr>
+        </p15:guide>
+        <p15:guide id="2" pos="2880">
+          <p15:clr>
+            <a:srgbClr val="A4A3A4"/>
+          </p15:clr>
+        </p15:guide>
+      </p15:sldGuideLst>
+    </p:ext>
+  </p:extLst>
 </p:presentation>
 </file>
 
@@ -445,13 +461,18 @@
             <a:fld id="{7048141F-8E8B-43D1-B765-C2DDD57AB7E7}" type="slidenum">
               <a:rPr lang="de-DE"/>
               <a:pPr/>
-              <a:t>‹Nr.›</a:t>
+              <a:t>‹#›</a:t>
             </a:fld>
             <a:endParaRPr lang="de-DE"/>
           </a:p>
         </p:txBody>
       </p:sp>
     </p:spTree>
+    <p:extLst>
+      <p:ext uri="{BB962C8B-B14F-4D97-AF65-F5344CB8AC3E}">
+        <p14:creationId xmlns:p14="http://schemas.microsoft.com/office/powerpoint/2010/main" val="1643808518"/>
+      </p:ext>
+    </p:extLst>
   </p:cSld>
   <p:clrMap bg1="lt1" tx1="dk1" bg2="lt2" tx2="dk2" accent1="accent1" accent2="accent2" accent3="accent3" accent4="accent4" accent5="accent5" accent6="accent6" hlink="hlink" folHlink="folHlink"/>
   <p:notesStyle>
@@ -724,7 +745,7 @@
           </p:nvPr>
         </p:nvPicPr>
         <p:blipFill>
-          <a:blip r:embed="rId7" cstate="print"/>
+          <a:blip r:embed="rId8" cstate="print"/>
           <a:srcRect/>
           <a:stretch>
             <a:fillRect/>
@@ -747,7 +768,11 @@
           <p:cNvGraphicFramePr>
             <a:graphicFrameLocks/>
           </p:cNvGraphicFramePr>
-          <p:nvPr/>
+          <p:nvPr>
+            <p:custDataLst>
+              <p:tags r:id="rId6"/>
+            </p:custDataLst>
+          </p:nvPr>
         </p:nvGraphicFramePr>
         <p:xfrm>
           <a:off x="0" y="0"/>
@@ -755,9 +780,72 @@
         </p:xfrm>
         <a:graphic>
           <a:graphicData uri="http://schemas.openxmlformats.org/presentationml/2006/ole">
-            <p:oleObj spid="_x0000_s4110" r:id="rId8" imgW="0" imgH="0" progId="">
-              <p:embed/>
-            </p:oleObj>
+            <mc:AlternateContent xmlns:mc="http://schemas.openxmlformats.org/markup-compatibility/2006">
+              <mc:Choice xmlns:v="urn:schemas-microsoft-com:vml" Requires="v">
+                <p:oleObj spid="_x0000_s4111" r:id="rId9" imgW="0" imgH="0" progId="">
+                  <p:embed/>
+                </p:oleObj>
+              </mc:Choice>
+              <mc:Fallback>
+                <p:oleObj r:id="rId9" imgW="0" imgH="0" progId="">
+                  <p:embed/>
+                  <p:pic>
+                    <p:nvPicPr>
+                      <p:cNvPr id="0" name="Rectangle 14" hidden="1"/>
+                      <p:cNvPicPr preferRelativeResize="0">
+                        <a:picLocks noChangeArrowheads="1"/>
+                      </p:cNvPicPr>
+                      <p:nvPr/>
+                    </p:nvPicPr>
+                    <p:blipFill>
+                      <a:blip>
+                        <a:extLst>
+                          <a:ext uri="{28A0092B-C50C-407E-A947-70E740481C1C}">
+                            <a14:useLocalDpi xmlns:a14="http://schemas.microsoft.com/office/drawing/2010/main" val="0"/>
+                          </a:ext>
+                        </a:extLst>
+                      </a:blip>
+                      <a:srcRect/>
+                      <a:stretch>
+                        <a:fillRect/>
+                      </a:stretch>
+                    </p:blipFill>
+                    <p:spPr bwMode="auto">
+                      <a:xfrm>
+                        <a:off x="0" y="0"/>
+                        <a:ext cx="158750" cy="158750"/>
+                      </a:xfrm>
+                      <a:prstGeom prst="rect">
+                        <a:avLst/>
+                      </a:prstGeom>
+                      <a:noFill/>
+                      <a:ln>
+                        <a:noFill/>
+                      </a:ln>
+                      <a:extLst>
+                        <a:ext uri="{909E8E84-426E-40DD-AFC4-6F175D3DCCD1}">
+                          <a14:hiddenFill xmlns:a14="http://schemas.microsoft.com/office/drawing/2010/main">
+                            <a:solidFill>
+                              <a:srgbClr val="FFFFFF"/>
+                            </a:solidFill>
+                          </a14:hiddenFill>
+                        </a:ext>
+                        <a:ext uri="{91240B29-F687-4F45-9708-019B960494DF}">
+                          <a14:hiddenLine xmlns:a14="http://schemas.microsoft.com/office/drawing/2010/main" w="9525">
+                            <a:solidFill>
+                              <a:srgbClr val="000000"/>
+                            </a:solidFill>
+                            <a:miter lim="800000"/>
+                            <a:headEnd/>
+                            <a:tailEnd/>
+                          </a14:hiddenLine>
+                        </a:ext>
+                      </a:extLst>
+                    </p:spPr>
+                  </p:pic>
+                </p:oleObj>
+              </mc:Fallback>
+            </mc:AlternateContent>
           </a:graphicData>
         </a:graphic>
       </p:graphicFrame>
@@ -770,7 +858,7 @@
           <p:nvPr/>
         </p:nvPicPr>
         <p:blipFill>
-          <a:blip r:embed="rId9" cstate="print"/>
+          <a:blip r:embed="rId10" cstate="print"/>
           <a:srcRect/>
           <a:stretch>
             <a:fillRect/>
@@ -951,7 +1039,7 @@
             <a:fld id="{CBB569AE-6BD3-430D-B49B-6C3DBF05E690}" type="slidenum">
               <a:rPr lang="de-DE"/>
               <a:pPr/>
-              <a:t>‹Nr.›</a:t>
+              <a:t>‹#›</a:t>
             </a:fld>
             <a:endParaRPr lang="de-DE"/>
           </a:p>
@@ -1131,7 +1219,7 @@
             <a:fld id="{D8A861BF-15D9-442A-AE8A-40F42B6FE222}" type="slidenum">
               <a:rPr lang="de-DE"/>
               <a:pPr/>
-              <a:t>‹Nr.›</a:t>
+              <a:t>‹#›</a:t>
             </a:fld>
             <a:endParaRPr lang="de-DE"/>
           </a:p>
@@ -1301,7 +1389,7 @@
             <a:fld id="{7737BF7B-4974-4536-9485-B1CA4D50CDC2}" type="slidenum">
               <a:rPr lang="de-DE"/>
               <a:pPr/>
-              <a:t>‹Nr.›</a:t>
+              <a:t>‹#›</a:t>
             </a:fld>
             <a:endParaRPr lang="de-DE"/>
           </a:p>
@@ -1493,7 +1581,7 @@
             <a:fld id="{1F95F235-C769-4687-B6D7-86CAA84B7A6A}" type="slidenum">
               <a:rPr lang="de-DE"/>
               <a:pPr/>
-              <a:t>‹Nr.›</a:t>
+              <a:t>‹#›</a:t>
             </a:fld>
             <a:endParaRPr lang="de-DE"/>
           </a:p>
@@ -1781,7 +1869,7 @@
             <a:fld id="{992F78ED-6923-401F-92F5-7FCA40716EA5}" type="slidenum">
               <a:rPr lang="de-DE"/>
               <a:pPr/>
-              <a:t>‹Nr.›</a:t>
+              <a:t>‹#›</a:t>
             </a:fld>
             <a:endParaRPr lang="de-DE"/>
           </a:p>
@@ -2208,7 +2296,7 @@
             <a:fld id="{E504F8DA-8A9B-4A23-A69E-2B927E06CB9F}" type="slidenum">
               <a:rPr lang="de-DE"/>
               <a:pPr/>
-              <a:t>‹Nr.›</a:t>
+              <a:t>‹#›</a:t>
             </a:fld>
             <a:endParaRPr lang="de-DE"/>
           </a:p>
@@ -2326,7 +2414,7 @@
             <a:fld id="{6C978358-F0B7-49D0-ABAF-E225B1502023}" type="slidenum">
               <a:rPr lang="de-DE"/>
               <a:pPr/>
-              <a:t>‹Nr.›</a:t>
+              <a:t>‹#›</a:t>
             </a:fld>
             <a:endParaRPr lang="de-DE"/>
           </a:p>
@@ -2421,7 +2509,7 @@
             <a:fld id="{FE376D14-9DA3-4E3C-AE00-E14916E087B0}" type="slidenum">
               <a:rPr lang="de-DE"/>
               <a:pPr/>
-              <a:t>‹Nr.›</a:t>
+              <a:t>‹#›</a:t>
             </a:fld>
             <a:endParaRPr lang="de-DE"/>
           </a:p>
@@ -2698,7 +2786,7 @@
             <a:fld id="{B6322724-B9EC-4C75-AF9D-5169D1BB4517}" type="slidenum">
               <a:rPr lang="de-DE"/>
               <a:pPr/>
-              <a:t>‹Nr.›</a:t>
+              <a:t>‹#›</a:t>
             </a:fld>
             <a:endParaRPr lang="de-DE"/>
           </a:p>
@@ -2955,7 +3043,7 @@
             <a:fld id="{67E16630-2C17-439B-A6C8-882A4044A254}" type="slidenum">
               <a:rPr lang="de-DE"/>
               <a:pPr/>
-              <a:t>‹Nr.›</a:t>
+              <a:t>‹#›</a:t>
             </a:fld>
             <a:endParaRPr lang="de-DE"/>
           </a:p>
@@ -3104,7 +3192,7 @@
           </p:nvPr>
         </p:nvPicPr>
         <p:blipFill>
-          <a:blip r:embed="rId20" cstate="print"/>
+          <a:blip r:embed="rId21" cstate="print"/>
           <a:srcRect/>
           <a:stretch>
             <a:fillRect/>
@@ -3227,7 +3315,7 @@
             <a:fld id="{8F172BAF-12D8-4602-9F9F-1C0CA431801D}" type="slidenum">
               <a:rPr lang="de-DE"/>
               <a:pPr/>
-              <a:t>‹Nr.›</a:t>
+              <a:t>‹#›</a:t>
             </a:fld>
             <a:endParaRPr lang="de-DE"/>
           </a:p>
@@ -3288,7 +3376,11 @@
           <p:cNvGraphicFramePr>
             <a:graphicFrameLocks/>
           </p:cNvGraphicFramePr>
-          <p:nvPr/>
+          <p:nvPr>
+            <p:custDataLst>
+              <p:tags r:id="rId20"/>
+            </p:custDataLst>
+          </p:nvPr>
         </p:nvGraphicFramePr>
         <p:xfrm>
           <a:off x="0" y="0"/>
@@ -3296,9 +3388,72 @@
         </p:xfrm>
         <a:graphic>
           <a:graphicData uri="http://schemas.openxmlformats.org/presentationml/2006/ole">
-            <p:oleObj spid="_x0000_s1042" r:id="rId21" imgW="0" imgH="0" progId="">
-              <p:embed/>
-            </p:oleObj>
+            <mc:AlternateContent xmlns:mc="http://schemas.openxmlformats.org/markup-compatibility/2006">
+              <mc:Choice xmlns:v="urn:schemas-microsoft-com:vml" Requires="v">
+                <p:oleObj spid="_x0000_s1043" r:id="rId22" imgW="0" imgH="0" progId="">
+                  <p:embed/>
+                </p:oleObj>
+              </mc:Choice>
+              <mc:Fallback>
+                <p:oleObj r:id="rId22" imgW="0" imgH="0" progId="">
+                  <p:embed/>
+                  <p:pic>
+                    <p:nvPicPr>
+                      <p:cNvPr id="0" name="Rectangle 18" hidden="1"/>
+                      <p:cNvPicPr preferRelativeResize="0">
+                        <a:picLocks noChangeArrowheads="1"/>
+                      </p:cNvPicPr>
+                      <p:nvPr/>
+                    </p:nvPicPr>
+                    <p:blipFill>
+                      <a:blip>
+                        <a:extLst>
+                          <a:ext uri="{28A0092B-C50C-407E-A947-70E740481C1C}">
+                            <a14:useLocalDpi xmlns:a14="http://schemas.microsoft.com/office/drawing/2010/main" val="0"/>
+                          </a:ext>
+                        </a:extLst>
+                      </a:blip>
+                      <a:srcRect/>
+                      <a:stretch>
+                        <a:fillRect/>
+                      </a:stretch>
+                    </p:blipFill>
+                    <p:spPr bwMode="auto">
+                      <a:xfrm>
+                        <a:off x="0" y="0"/>
+                        <a:ext cx="158750" cy="158750"/>
+                      </a:xfrm>
+                      <a:prstGeom prst="rect">
+                        <a:avLst/>
+                      </a:prstGeom>
+                      <a:noFill/>
+                      <a:ln>
+                        <a:noFill/>
+                      </a:ln>
+                      <a:extLst>
+                        <a:ext uri="{909E8E84-426E-40DD-AFC4-6F175D3DCCD1}">
+                          <a14:hiddenFill xmlns:a14="http://schemas.microsoft.com/office/drawing/2010/main">
+                            <a:solidFill>
+                              <a:srgbClr val="FFFFFF"/>
+                            </a:solidFill>
+                          </a14:hiddenFill>
+                        </a:ext>
+                        <a:ext uri="{91240B29-F687-4F45-9708-019B960494DF}">
+                          <a14:hiddenLine xmlns:a14="http://schemas.microsoft.com/office/drawing/2010/main" w="9525">
+                            <a:solidFill>
+                              <a:srgbClr val="000000"/>
+                            </a:solidFill>
+                            <a:miter lim="800000"/>
+                            <a:headEnd/>
+                            <a:tailEnd/>
+                          </a14:hiddenLine>
+                        </a:ext>
+                      </a:extLst>
+                    </p:spPr>
+                  </p:pic>
+                </p:oleObj>
+              </mc:Fallback>
+            </mc:AlternateContent>
           </a:graphicData>
         </a:graphic>
       </p:graphicFrame>
@@ -3311,7 +3466,7 @@
           <p:nvPr/>
         </p:nvPicPr>
         <p:blipFill>
-          <a:blip r:embed="rId22" cstate="print"/>
+          <a:blip r:embed="rId23" cstate="print"/>
           <a:srcRect/>
           <a:stretch>
             <a:fillRect/>
@@ -4219,7 +4374,7 @@
     </p:spTree>
     <p:extLst>
       <p:ext uri="{BB962C8B-B14F-4D97-AF65-F5344CB8AC3E}">
-        <p14:creationId xmlns="" xmlns:p14="http://schemas.microsoft.com/office/powerpoint/2010/main" val="114017146"/>
+        <p14:creationId xmlns:p14="http://schemas.microsoft.com/office/powerpoint/2010/main" val="114017146"/>
       </p:ext>
     </p:extLst>
   </p:cSld>
@@ -4310,11 +4465,7 @@
             </a:r>
             <a:r>
               <a:rPr lang="de-DE" dirty="0" smtClean="0"/>
-              <a:t> „mathematische Formel</a:t>
-            </a:r>
-            <a:r>
-              <a:rPr lang="de-DE" dirty="0" smtClean="0"/>
-              <a:t>“</a:t>
+              <a:t> „mathematische Formel“</a:t>
             </a:r>
           </a:p>
           <a:p>
@@ -4323,27 +4474,49 @@
               <a:buChar char="-"/>
             </a:pPr>
             <a:r>
-              <a:rPr lang="de-DE" dirty="0" smtClean="0">
-                <a:solidFill>
-                  <a:srgbClr val="FF0000"/>
-                </a:solidFill>
-              </a:rPr>
-              <a:t>Definieren</a:t>
-            </a:r>
-            <a:endParaRPr lang="de-DE" dirty="0" smtClean="0">
-              <a:solidFill>
-                <a:srgbClr val="FF0000"/>
-              </a:solidFill>
-            </a:endParaRPr>
+              <a:rPr lang="de-DE" dirty="0" smtClean="0"/>
+              <a:t>Darstellung</a:t>
+            </a:r>
+            <a:endParaRPr lang="de-DE" dirty="0" smtClean="0"/>
+          </a:p>
+          <a:p>
+            <a:pPr lvl="2">
+              <a:buFontTx/>
+              <a:buChar char="-"/>
+            </a:pPr>
+            <a:r>
+              <a:rPr lang="de-DE" smtClean="0"/>
+              <a:t>Hinsichtlich für </a:t>
+            </a:r>
+            <a:r>
+              <a:rPr lang="de-DE" smtClean="0"/>
+              <a:t>Berechnung</a:t>
+            </a:r>
+            <a:r>
+              <a:rPr lang="de-DE" smtClean="0"/>
+              <a:t>en</a:t>
+            </a:r>
+            <a:endParaRPr lang="de-DE" dirty="0" smtClean="0"/>
           </a:p>
           <a:p>
             <a:pPr lvl="1">
               <a:buFontTx/>
               <a:buChar char="-"/>
             </a:pPr>
+            <a:endParaRPr lang="de-DE" dirty="0" smtClean="0"/>
+          </a:p>
+          <a:p>
+            <a:pPr>
+              <a:buFontTx/>
+              <a:buChar char="-"/>
+            </a:pPr>
             <a:r>
               <a:rPr lang="de-DE" dirty="0" smtClean="0"/>
-              <a:t>Darstellung</a:t>
+              <a:t>Evaluierung mathematischer </a:t>
+            </a:r>
+            <a:r>
+              <a:rPr lang="de-DE" dirty="0" smtClean="0"/>
+              <a:t>Formeln in Wikipedia</a:t>
             </a:r>
           </a:p>
           <a:p>
@@ -4352,34 +4525,9 @@
               <a:buChar char="-"/>
             </a:pPr>
             <a:r>
-              <a:rPr lang="de-DE" dirty="0" smtClean="0">
-                <a:solidFill>
-                  <a:srgbClr val="FF0000"/>
-                </a:solidFill>
-              </a:rPr>
-              <a:t>Evaluieren (= Punkt unten [</a:t>
-            </a:r>
-            <a:r>
-              <a:rPr lang="de-DE" dirty="0" err="1" smtClean="0">
-                <a:solidFill>
-                  <a:srgbClr val="FF0000"/>
-                </a:solidFill>
-              </a:rPr>
-              <a:t>autom</a:t>
-            </a:r>
-            <a:r>
-              <a:rPr lang="de-DE" dirty="0" smtClean="0">
-                <a:solidFill>
-                  <a:srgbClr val="FF0000"/>
-                </a:solidFill>
-              </a:rPr>
-              <a:t>. Erkennen…])</a:t>
-            </a:r>
-            <a:endParaRPr lang="de-DE" dirty="0" smtClean="0">
-              <a:solidFill>
-                <a:srgbClr val="FF0000"/>
-              </a:solidFill>
-            </a:endParaRPr>
+              <a:rPr lang="de-DE" dirty="0" smtClean="0"/>
+              <a:t>Fokus auf einfache, benannte Formeln</a:t>
+            </a:r>
           </a:p>
           <a:p>
             <a:pPr lvl="1">
@@ -4388,31 +4536,8 @@
             </a:pPr>
             <a:r>
               <a:rPr lang="de-DE" dirty="0" smtClean="0"/>
-              <a:t>(Berechnung</a:t>
-            </a:r>
-            <a:r>
-              <a:rPr lang="de-DE" dirty="0" smtClean="0"/>
-              <a:t>)</a:t>
-            </a:r>
-          </a:p>
-          <a:p>
-            <a:pPr lvl="1">
-              <a:buFontTx/>
-              <a:buChar char="-"/>
-            </a:pPr>
-            <a:r>
-              <a:rPr lang="de-DE" dirty="0" smtClean="0">
-                <a:solidFill>
-                  <a:srgbClr val="FF0000"/>
-                </a:solidFill>
-              </a:rPr>
-              <a:t>Soll in Praxis verwendbar sein</a:t>
-            </a:r>
-            <a:endParaRPr lang="de-DE" dirty="0" smtClean="0">
-              <a:solidFill>
-                <a:srgbClr val="FF0000"/>
-              </a:solidFill>
-            </a:endParaRPr>
+              <a:t>Händisch / Formular </a:t>
+            </a:r>
           </a:p>
           <a:p>
             <a:pPr>
@@ -4421,82 +4546,6 @@
             </a:pPr>
             <a:endParaRPr lang="de-DE" dirty="0" smtClean="0"/>
           </a:p>
-          <a:p>
-            <a:pPr>
-              <a:buFontTx/>
-              <a:buChar char="-"/>
-            </a:pPr>
-            <a:r>
-              <a:rPr lang="de-DE" dirty="0" smtClean="0"/>
-              <a:t>Automatisches Erkennen von mathematischen Formeln in </a:t>
-            </a:r>
-            <a:r>
-              <a:rPr lang="de-DE" dirty="0" err="1" smtClean="0"/>
-              <a:t>Wikipedia</a:t>
-            </a:r>
-            <a:endParaRPr lang="de-DE" dirty="0" smtClean="0"/>
-          </a:p>
-          <a:p>
-            <a:pPr lvl="1">
-              <a:buFontTx/>
-              <a:buChar char="-"/>
-            </a:pPr>
-            <a:r>
-              <a:rPr lang="de-DE" dirty="0" smtClean="0"/>
-              <a:t>Fokus auf einfache, benannte </a:t>
-            </a:r>
-            <a:r>
-              <a:rPr lang="de-DE" dirty="0" smtClean="0"/>
-              <a:t>Formeln</a:t>
-            </a:r>
-          </a:p>
-          <a:p>
-            <a:pPr lvl="1">
-              <a:buFontTx/>
-              <a:buChar char="-"/>
-            </a:pPr>
-            <a:r>
-              <a:rPr lang="de-DE" dirty="0" err="1" smtClean="0"/>
-              <a:t>Händisch</a:t>
-            </a:r>
-            <a:r>
-              <a:rPr lang="de-DE" dirty="0" smtClean="0"/>
-              <a:t> / Formular </a:t>
-            </a:r>
-          </a:p>
-          <a:p>
-            <a:pPr lvl="1">
-              <a:buFontTx/>
-              <a:buChar char="-"/>
-            </a:pPr>
-            <a:r>
-              <a:rPr lang="de-DE" dirty="0" smtClean="0">
-                <a:solidFill>
-                  <a:srgbClr val="FF0000"/>
-                </a:solidFill>
-              </a:rPr>
-              <a:t>-&gt; Ist Evaluierung / Ausführung, aber nicht wirklich Ziel des Projekts (nur Ansatz für Datenquelle)</a:t>
-            </a:r>
-            <a:endParaRPr lang="de-DE" dirty="0" smtClean="0">
-              <a:solidFill>
-                <a:srgbClr val="FF0000"/>
-              </a:solidFill>
-            </a:endParaRPr>
-          </a:p>
-          <a:p>
-            <a:pPr lvl="1">
-              <a:buFontTx/>
-              <a:buChar char="-"/>
-            </a:pPr>
-            <a:endParaRPr lang="de-DE" dirty="0" smtClean="0"/>
-          </a:p>
-          <a:p>
-            <a:pPr>
-              <a:buFontTx/>
-              <a:buChar char="-"/>
-            </a:pPr>
-            <a:endParaRPr lang="de-DE" dirty="0" smtClean="0"/>
-          </a:p>
         </p:txBody>
       </p:sp>
       <p:sp>
@@ -4567,7 +4616,7 @@
     </p:spTree>
     <p:extLst>
       <p:ext uri="{BB962C8B-B14F-4D97-AF65-F5344CB8AC3E}">
-        <p14:creationId xmlns="" xmlns:p14="http://schemas.microsoft.com/office/powerpoint/2010/main" val="613567455"/>
+        <p14:creationId xmlns:p14="http://schemas.microsoft.com/office/powerpoint/2010/main" val="613567455"/>
       </p:ext>
     </p:extLst>
   </p:cSld>
@@ -4732,11 +4781,7 @@
             </a:r>
             <a:r>
               <a:rPr lang="de-DE" dirty="0" smtClean="0"/>
-              <a:t> DE Zentrale Berlin</a:t>
-            </a:r>
-            <a:r>
-              <a:rPr lang="de-DE" dirty="0" smtClean="0"/>
-              <a:t>)</a:t>
+              <a:t> DE Zentrale Berlin)</a:t>
             </a:r>
             <a:endParaRPr lang="fr-FR" dirty="0" smtClean="0">
               <a:solidFill>
@@ -5333,13 +5378,8 @@
             </a:r>
             <a:r>
               <a:rPr lang="de-DE" dirty="0" smtClean="0"/>
-              <a:t> und </a:t>
-            </a:r>
-            <a:r>
-              <a:rPr lang="de-DE" dirty="0" smtClean="0"/>
-              <a:t>Eigenschaften</a:t>
-            </a:r>
-            <a:endParaRPr lang="de-DE" dirty="0" smtClean="0"/>
+              <a:t> und Eigenschaften</a:t>
+            </a:r>
           </a:p>
           <a:p>
             <a:pPr lvl="1">
@@ -5476,13 +5516,25 @@
 
 <file path=ppt/tags/tag10.xml><?xml version="1.0" encoding="utf-8"?>
 <p:tagLst xmlns:a="http://schemas.openxmlformats.org/drawingml/2006/main" xmlns:r="http://schemas.openxmlformats.org/officeDocument/2006/relationships" xmlns:p="http://schemas.openxmlformats.org/presentationml/2006/main">
-  <p:tag name="THINKCELLSHAPEDONOTDELETE" val="pYaMkvLq5LE6J6OdVhrKBNw"/>
+  <p:tag name="THINKCELLSHAPEDONOTDELETE" val="pw4O.nDz0CkmlJ27rUYDXDA"/>
 </p:tagLst>
 </file>
 
 <file path=ppt/tags/tag11.xml><?xml version="1.0" encoding="utf-8"?>
 <p:tagLst xmlns:a="http://schemas.openxmlformats.org/drawingml/2006/main" xmlns:r="http://schemas.openxmlformats.org/officeDocument/2006/relationships" xmlns:p="http://schemas.openxmlformats.org/presentationml/2006/main">
+  <p:tag name="THINKCELLSHAPEDONOTDELETE" val="pYaMkvLq5LE6J6OdVhrKBNw"/>
+</p:tagLst>
+</file>
+
+<file path=ppt/tags/tag12.xml><?xml version="1.0" encoding="utf-8"?>
+<p:tagLst xmlns:a="http://schemas.openxmlformats.org/drawingml/2006/main" xmlns:r="http://schemas.openxmlformats.org/officeDocument/2006/relationships" xmlns:p="http://schemas.openxmlformats.org/presentationml/2006/main">
   <p:tag name="THINKCELLSHAPEDONOTDELETE" val="pjfn5jOIkbkq3Gm0R7D0d9g"/>
+</p:tagLst>
+</file>
+
+<file path=ppt/tags/tag13.xml><?xml version="1.0" encoding="utf-8"?>
+<p:tagLst xmlns:a="http://schemas.openxmlformats.org/drawingml/2006/main" xmlns:r="http://schemas.openxmlformats.org/officeDocument/2006/relationships" xmlns:p="http://schemas.openxmlformats.org/presentationml/2006/main">
+  <p:tag name="THINKCELLSHAPEDONOTDELETE" val="thinkcellActiveDocDoNotDelete"/>
 </p:tagLst>
 </file>
 
@@ -5524,13 +5576,13 @@
 
 <file path=ppt/tags/tag8.xml><?xml version="1.0" encoding="utf-8"?>
 <p:tagLst xmlns:a="http://schemas.openxmlformats.org/drawingml/2006/main" xmlns:r="http://schemas.openxmlformats.org/officeDocument/2006/relationships" xmlns:p="http://schemas.openxmlformats.org/presentationml/2006/main">
-  <p:tag name="THINKCELLSHAPEDONOTDELETE" val="p7sDXX7Sn90e6jhka_N9e3w"/>
+  <p:tag name="THINKCELLSHAPEDONOTDELETE" val="thinkcellActiveDocDoNotDelete"/>
 </p:tagLst>
 </file>
 
 <file path=ppt/tags/tag9.xml><?xml version="1.0" encoding="utf-8"?>
 <p:tagLst xmlns:a="http://schemas.openxmlformats.org/drawingml/2006/main" xmlns:r="http://schemas.openxmlformats.org/officeDocument/2006/relationships" xmlns:p="http://schemas.openxmlformats.org/presentationml/2006/main">
-  <p:tag name="THINKCELLSHAPEDONOTDELETE" val="pw4O.nDz0CkmlJ27rUYDXDA"/>
+  <p:tag name="THINKCELLSHAPEDONOTDELETE" val="p7sDXX7Sn90e6jhka_N9e3w"/>
 </p:tagLst>
 </file>
 
